--- a/Predstavitve/Praktikum II - Skupina 7 - Teden 2.pptx
+++ b/Predstavitve/Praktikum II - Skupina 7 - Teden 2.pptx
@@ -23,14 +23,14 @@
   <p:notesSz cx="6858000" cy="9144000"/>
   <p:embeddedFontLst>
     <p:embeddedFont>
-      <p:font typeface="Lato" panose="020B0604020202020204" charset="0"/>
+      <p:font typeface="Lato" panose="020B0604020202020204" charset="-18"/>
       <p:regular r:id="rId13"/>
       <p:bold r:id="rId14"/>
       <p:italic r:id="rId15"/>
       <p:boldItalic r:id="rId16"/>
     </p:embeddedFont>
     <p:embeddedFont>
-      <p:font typeface="Raleway" panose="020B0604020202020204" charset="0"/>
+      <p:font typeface="Raleway" panose="020B0604020202020204" charset="-18"/>
       <p:regular r:id="rId17"/>
       <p:bold r:id="rId18"/>
       <p:italic r:id="rId19"/>
@@ -7850,7 +7850,23 @@
                   <a:srgbClr val="FFFF00"/>
                 </a:solidFill>
               </a:rPr>
-              <a:t>• 21. 5. 2018</a:t>
+              <a:t>• 2</a:t>
+            </a:r>
+            <a:r>
+              <a:rPr lang="sl-SI" dirty="0">
+                <a:solidFill>
+                  <a:srgbClr val="FFFF00"/>
+                </a:solidFill>
+              </a:rPr>
+              <a:t>8</a:t>
+            </a:r>
+            <a:r>
+              <a:rPr lang="en" dirty="0">
+                <a:solidFill>
+                  <a:srgbClr val="FFFF00"/>
+                </a:solidFill>
+              </a:rPr>
+              <a:t>. 5. 2018</a:t>
             </a:r>
             <a:endParaRPr dirty="0">
               <a:solidFill>
@@ -8228,7 +8244,23 @@
                   <a:srgbClr val="FFFF00"/>
                 </a:solidFill>
               </a:rPr>
-              <a:t>14. 5. - 21. 5. 2018</a:t>
+              <a:t>21. 5. </a:t>
+            </a:r>
+            <a:r>
+              <a:rPr lang="sl-SI" sz="1500" dirty="0">
+                <a:solidFill>
+                  <a:srgbClr val="FFFF00"/>
+                </a:solidFill>
+              </a:rPr>
+              <a:t> - 28. 5. </a:t>
+            </a:r>
+            <a:r>
+              <a:rPr lang="en" sz="1500" dirty="0">
+                <a:solidFill>
+                  <a:srgbClr val="FFFF00"/>
+                </a:solidFill>
+              </a:rPr>
+              <a:t>2018</a:t>
             </a:r>
             <a:endParaRPr sz="1500" dirty="0">
               <a:solidFill>
@@ -8521,7 +8553,11 @@
             </a:pPr>
             <a:r>
               <a:rPr lang="en" b="1" dirty="0"/>
-              <a:t>Plan za obdobje </a:t>
+              <a:t>Plan za obdobje</a:t>
+            </a:r>
+            <a:r>
+              <a:rPr lang="sl-SI" b="1" dirty="0"/>
+              <a:t> </a:t>
             </a:r>
             <a:r>
               <a:rPr lang="en" b="1" dirty="0">
@@ -8529,7 +8565,23 @@
                   <a:srgbClr val="FFFF00"/>
                 </a:solidFill>
               </a:rPr>
-              <a:t>21.5. - 28.5.2018</a:t>
+              <a:t>28.5.</a:t>
+            </a:r>
+            <a:r>
+              <a:rPr lang="sl-SI" b="1" dirty="0">
+                <a:solidFill>
+                  <a:srgbClr val="FFFF00"/>
+                </a:solidFill>
+              </a:rPr>
+              <a:t> – 4. 6. </a:t>
+            </a:r>
+            <a:r>
+              <a:rPr lang="en" b="1" dirty="0">
+                <a:solidFill>
+                  <a:srgbClr val="FFFF00"/>
+                </a:solidFill>
+              </a:rPr>
+              <a:t>2018</a:t>
             </a:r>
             <a:endParaRPr sz="1500" dirty="0"/>
           </a:p>
@@ -8614,7 +8666,7 @@
         </p:nvSpPr>
         <p:spPr>
           <a:xfrm>
-            <a:off x="2400303" y="1602675"/>
+            <a:off x="1833233" y="1602675"/>
             <a:ext cx="3071400" cy="3002400"/>
           </a:xfrm>
           <a:prstGeom prst="rect">
@@ -8679,7 +8731,28 @@
             </a:pPr>
             <a:r>
               <a:rPr lang="sl-SI" sz="1600" dirty="0" err="1"/>
-              <a:t>login</a:t>
+              <a:t>Login</a:t>
+            </a:r>
+            <a:endParaRPr lang="sl-SI" sz="1600" dirty="0"/>
+          </a:p>
+          <a:p>
+            <a:pPr marL="457200" lvl="0" indent="-330200">
+              <a:spcBef>
+                <a:spcPts val="1600"/>
+              </a:spcBef>
+              <a:spcAft>
+                <a:spcPts val="0"/>
+              </a:spcAft>
+              <a:buSzPts val="1600"/>
+              <a:buChar char="●"/>
+            </a:pPr>
+            <a:r>
+              <a:rPr lang="sl-SI" sz="1600" dirty="0" err="1"/>
+              <a:t>Login</a:t>
+            </a:r>
+            <a:r>
+              <a:rPr lang="sl-SI" sz="1600" dirty="0"/>
+              <a:t> z Google-om</a:t>
             </a:r>
             <a:endParaRPr sz="1600" dirty="0"/>
           </a:p>
@@ -8697,8 +8770,8 @@
         </p:nvSpPr>
         <p:spPr>
           <a:xfrm>
-            <a:off x="5650572" y="1602675"/>
-            <a:ext cx="3071400" cy="3002400"/>
+            <a:off x="4834270" y="1602675"/>
+            <a:ext cx="3887702" cy="3002400"/>
           </a:xfrm>
           <a:prstGeom prst="rect">
             <a:avLst/>
@@ -8752,7 +8825,23 @@
               <a:rPr lang="sl-SI" sz="1600" dirty="0"/>
               <a:t>Osnovni pogled</a:t>
             </a:r>
-            <a:endParaRPr sz="1800" dirty="0"/>
+          </a:p>
+          <a:p>
+            <a:pPr marL="457200" lvl="0" indent="-330200">
+              <a:spcBef>
+                <a:spcPts val="1600"/>
+              </a:spcBef>
+              <a:spcAft>
+                <a:spcPts val="1200"/>
+              </a:spcAft>
+              <a:buSzPts val="1600"/>
+              <a:buChar char="●"/>
+            </a:pPr>
+            <a:r>
+              <a:rPr lang="sl-SI" sz="1600" dirty="0"/>
+              <a:t>Funkcionalnosti: dodajanje privolitev, seznam privolitev, dodajanje upravljavcev, seznam upravljavcev, verzije</a:t>
+            </a:r>
+            <a:endParaRPr sz="1600" dirty="0"/>
           </a:p>
         </p:txBody>
       </p:sp>
@@ -9269,10 +9358,6 @@
               <a:buSzPts val="1600"/>
               <a:buChar char="●"/>
             </a:pPr>
-            <a:r>
-              <a:rPr lang="sl-SI" sz="1600" dirty="0"/>
-              <a:t>Še ni delujoče različice</a:t>
-            </a:r>
             <a:endParaRPr sz="1800" dirty="0"/>
           </a:p>
         </p:txBody>
@@ -9368,47 +9453,6 @@
             <a:noAutofit/>
           </a:bodyPr>
           <a:lstStyle/>
-          <a:p>
-            <a:pPr marL="0" indent="0">
-              <a:spcBef>
-                <a:spcPts val="1600"/>
-              </a:spcBef>
-              <a:buNone/>
-            </a:pPr>
-            <a:r>
-              <a:rPr lang="sl-SI" sz="2100" b="1" dirty="0">
-                <a:solidFill>
-                  <a:schemeClr val="dk1"/>
-                </a:solidFill>
-              </a:rPr>
-              <a:t>Vzpostavitev razvojnega in izvajalnega okolja</a:t>
-            </a:r>
-            <a:endParaRPr sz="2100" b="1" dirty="0">
-              <a:solidFill>
-                <a:schemeClr val="dk1"/>
-              </a:solidFill>
-            </a:endParaRPr>
-          </a:p>
-          <a:p>
-            <a:pPr marL="0" lvl="0" indent="0">
-              <a:spcBef>
-                <a:spcPts val="0"/>
-              </a:spcBef>
-              <a:spcAft>
-                <a:spcPts val="0"/>
-              </a:spcAft>
-              <a:buNone/>
-            </a:pPr>
-            <a:r>
-              <a:rPr lang="sl-SI" sz="1600" dirty="0"/>
-              <a:t>Dogovor o skupnem okolju </a:t>
-            </a:r>
-            <a:r>
-              <a:rPr lang="sl-SI" sz="1600"/>
-              <a:t>in namestitev.</a:t>
-            </a:r>
-            <a:endParaRPr lang="da-DK" sz="1600" dirty="0"/>
-          </a:p>
           <a:p>
             <a:pPr marL="0" lvl="0" indent="0">
               <a:spcBef>

--- a/Predstavitve/Praktikum II - Skupina 7 - Teden 2.pptx
+++ b/Predstavitve/Praktikum II - Skupina 7 - Teden 2.pptx
@@ -9358,6 +9358,22 @@
               <a:buSzPts val="1600"/>
               <a:buChar char="●"/>
             </a:pPr>
+            <a:r>
+              <a:rPr lang="sl-SI" sz="1800" dirty="0"/>
+              <a:t>Težave z </a:t>
+            </a:r>
+            <a:r>
+              <a:rPr lang="sl-SI" sz="1800" dirty="0" err="1"/>
+              <a:t>google</a:t>
+            </a:r>
+            <a:r>
+              <a:rPr lang="sl-SI" sz="1800" dirty="0"/>
+              <a:t> </a:t>
+            </a:r>
+            <a:r>
+              <a:rPr lang="sl-SI" sz="1800" dirty="0" err="1"/>
+              <a:t>loginom</a:t>
+            </a:r>
             <a:endParaRPr sz="1800" dirty="0"/>
           </a:p>
         </p:txBody>

--- a/Predstavitve/Praktikum II - Skupina 7 - Teden 2.pptx
+++ b/Predstavitve/Praktikum II - Skupina 7 - Teden 2.pptx
@@ -23,14 +23,14 @@
   <p:notesSz cx="6858000" cy="9144000"/>
   <p:embeddedFontLst>
     <p:embeddedFont>
-      <p:font typeface="Lato" panose="020B0604020202020204" charset="-18"/>
+      <p:font typeface="Raleway" panose="020B0604020202020204" charset="0"/>
       <p:regular r:id="rId13"/>
       <p:bold r:id="rId14"/>
       <p:italic r:id="rId15"/>
       <p:boldItalic r:id="rId16"/>
     </p:embeddedFont>
     <p:embeddedFont>
-      <p:font typeface="Raleway" panose="020B0604020202020204" charset="-18"/>
+      <p:font typeface="Lato" panose="020B0604020202020204" charset="0"/>
       <p:regular r:id="rId17"/>
       <p:bold r:id="rId18"/>
       <p:italic r:id="rId19"/>
@@ -7978,14 +7978,14 @@
               <a:buNone/>
             </a:pPr>
             <a:r>
-              <a:rPr lang="en" sz="2100" b="1">
+              <a:rPr lang="en" sz="2100" b="1" dirty="0">
                 <a:solidFill>
                   <a:schemeClr val="dk1"/>
                 </a:solidFill>
               </a:rPr>
               <a:t>Zabeležka 1</a:t>
             </a:r>
-            <a:endParaRPr sz="2100" b="1">
+            <a:endParaRPr sz="2100" b="1" dirty="0">
               <a:solidFill>
                 <a:schemeClr val="dk1"/>
               </a:solidFill>
@@ -8002,10 +8002,10 @@
               <a:buNone/>
             </a:pPr>
             <a:r>
-              <a:rPr lang="en" sz="1600"/>
+              <a:rPr lang="en" sz="1600" dirty="0"/>
               <a:t>Lorem ipsum dolor sit amet</a:t>
             </a:r>
-            <a:endParaRPr sz="1600"/>
+            <a:endParaRPr lang="sl-SI" sz="1600"/>
           </a:p>
           <a:p>
             <a:pPr marL="0" lvl="0" indent="0" rtl="0">
@@ -8018,30 +8018,22 @@
               <a:buNone/>
             </a:pPr>
             <a:r>
-              <a:rPr lang="en" sz="1600"/>
-              <a:t>Consectetur adipiscing elit, sed do eiusmod tempor</a:t>
+              <a:rPr lang="en" sz="2100" b="1">
+                <a:solidFill>
+                  <a:schemeClr val="dk1"/>
+                </a:solidFill>
+              </a:rPr>
+              <a:t>Zabeležka </a:t>
             </a:r>
-            <a:endParaRPr sz="1600"/>
-          </a:p>
-          <a:p>
-            <a:pPr marL="0" lvl="0" indent="0" rtl="0">
-              <a:spcBef>
-                <a:spcPts val="1600"/>
-              </a:spcBef>
-              <a:spcAft>
-                <a:spcPts val="0"/>
-              </a:spcAft>
-              <a:buNone/>
-            </a:pPr>
             <a:r>
-              <a:rPr lang="en" sz="2100" b="1">
+              <a:rPr lang="en" sz="2100" b="1" dirty="0">
                 <a:solidFill>
                   <a:schemeClr val="dk1"/>
                 </a:solidFill>
               </a:rPr>
-              <a:t>Zabeležka 2</a:t>
+              <a:t>2</a:t>
             </a:r>
-            <a:endParaRPr sz="2100" b="1">
+            <a:endParaRPr sz="2100" b="1" dirty="0">
               <a:solidFill>
                 <a:schemeClr val="dk1"/>
               </a:solidFill>
@@ -8058,10 +8050,10 @@
               <a:buNone/>
             </a:pPr>
             <a:r>
-              <a:rPr lang="en" sz="1600"/>
+              <a:rPr lang="en" sz="1600" dirty="0"/>
               <a:t>Lorem ipsum dolor sit amet</a:t>
             </a:r>
-            <a:endParaRPr sz="1600"/>
+            <a:endParaRPr sz="1600" dirty="0"/>
           </a:p>
           <a:p>
             <a:pPr marL="0" lvl="0" indent="0" rtl="0">
@@ -8074,14 +8066,14 @@
               <a:buNone/>
             </a:pPr>
             <a:r>
-              <a:rPr lang="en" sz="2100" b="1">
+              <a:rPr lang="en" sz="2100" b="1" dirty="0">
                 <a:solidFill>
                   <a:schemeClr val="dk1"/>
                 </a:solidFill>
               </a:rPr>
               <a:t>Zabeležka 3</a:t>
             </a:r>
-            <a:endParaRPr sz="2100" b="1">
+            <a:endParaRPr sz="2100" b="1" dirty="0">
               <a:solidFill>
                 <a:schemeClr val="dk1"/>
               </a:solidFill>
@@ -8098,10 +8090,10 @@
               <a:buNone/>
             </a:pPr>
             <a:r>
-              <a:rPr lang="en" sz="1600"/>
+              <a:rPr lang="en" sz="1600" dirty="0"/>
               <a:t>Consectetur adipiscing elit, sed do eiusmod tempor</a:t>
             </a:r>
-            <a:endParaRPr sz="1600"/>
+            <a:endParaRPr sz="1600" dirty="0"/>
           </a:p>
           <a:p>
             <a:pPr marL="0" lvl="0" indent="0" rtl="0">
@@ -8113,7 +8105,7 @@
               </a:spcAft>
               <a:buNone/>
             </a:pPr>
-            <a:endParaRPr sz="2400"/>
+            <a:endParaRPr sz="2400" dirty="0"/>
           </a:p>
         </p:txBody>
       </p:sp>
@@ -8714,22 +8706,6 @@
               <a:buChar char="●"/>
             </a:pPr>
             <a:r>
-              <a:rPr lang="sl-SI" sz="1600" dirty="0"/>
-              <a:t>E-R diagram</a:t>
-            </a:r>
-          </a:p>
-          <a:p>
-            <a:pPr marL="457200" lvl="0" indent="-330200">
-              <a:spcBef>
-                <a:spcPts val="1600"/>
-              </a:spcBef>
-              <a:spcAft>
-                <a:spcPts val="0"/>
-              </a:spcAft>
-              <a:buSzPts val="1600"/>
-              <a:buChar char="●"/>
-            </a:pPr>
-            <a:r>
               <a:rPr lang="sl-SI" sz="1600" dirty="0" err="1"/>
               <a:t>Login</a:t>
             </a:r>
@@ -8753,6 +8729,22 @@
             <a:r>
               <a:rPr lang="sl-SI" sz="1600" dirty="0"/>
               <a:t> z Google-om</a:t>
+            </a:r>
+          </a:p>
+          <a:p>
+            <a:pPr marL="457200" lvl="0" indent="-330200">
+              <a:spcBef>
+                <a:spcPts val="1600"/>
+              </a:spcBef>
+              <a:spcAft>
+                <a:spcPts val="0"/>
+              </a:spcAft>
+              <a:buSzPts val="1600"/>
+              <a:buChar char="●"/>
+            </a:pPr>
+            <a:r>
+              <a:rPr lang="sl-SI" sz="1600" dirty="0"/>
+              <a:t>Dodajanje privolitev</a:t>
             </a:r>
             <a:endParaRPr sz="1600" dirty="0"/>
           </a:p>
@@ -8946,7 +8938,7 @@
               </a:spcAft>
               <a:buNone/>
             </a:pPr>
-            <a:endParaRPr/>
+            <a:endParaRPr dirty="0"/>
           </a:p>
         </p:txBody>
       </p:sp>
@@ -9106,18 +9098,29 @@
           <a:p>
             <a:pPr marL="342900" indent="-342900"/>
             <a:r>
+              <a:rPr lang="sl-SI" sz="2100" b="1" dirty="0">
+                <a:solidFill>
+                  <a:schemeClr val="bg2"/>
+                </a:solidFill>
+              </a:rPr>
+              <a:t>Tedenska </a:t>
+            </a:r>
+            <a:r>
               <a:rPr lang="sl-SI" sz="2100" b="1" dirty="0" err="1">
                 <a:solidFill>
                   <a:schemeClr val="bg2"/>
                 </a:solidFill>
               </a:rPr>
-              <a:t>Kanban</a:t>
+              <a:t>kanban</a:t>
             </a:r>
-            <a:endParaRPr lang="sl-SI" sz="2100" b="1" dirty="0">
-              <a:solidFill>
-                <a:schemeClr val="bg2"/>
-              </a:solidFill>
-            </a:endParaRPr>
+            <a:r>
+              <a:rPr lang="sl-SI" sz="2100" b="1" dirty="0">
+                <a:solidFill>
+                  <a:schemeClr val="bg2"/>
+                </a:solidFill>
+              </a:rPr>
+              <a:t> tabla</a:t>
+            </a:r>
           </a:p>
         </p:txBody>
       </p:sp>
@@ -9226,10 +9229,10 @@
               <a:buNone/>
             </a:pPr>
             <a:r>
-              <a:rPr lang="en"/>
+              <a:rPr lang="en" dirty="0"/>
               <a:t>Izkušnje</a:t>
             </a:r>
-            <a:endParaRPr/>
+            <a:endParaRPr dirty="0"/>
           </a:p>
         </p:txBody>
       </p:sp>
@@ -9294,7 +9297,7 @@
             </a:pPr>
             <a:r>
               <a:rPr lang="sl-SI" sz="1600" dirty="0"/>
-              <a:t>Dogovor o zadolžitvah</a:t>
+              <a:t>V večini dokončan tedenski plan</a:t>
             </a:r>
           </a:p>
         </p:txBody>
@@ -9485,7 +9488,7 @@
                   <a:schemeClr val="dk1"/>
                 </a:solidFill>
               </a:rPr>
-              <a:t>Začetek gradnje strani</a:t>
+              <a:t>Nadaljevanje gradnje strani</a:t>
             </a:r>
             <a:endParaRPr sz="2100" b="1" dirty="0">
               <a:solidFill>
@@ -9505,7 +9508,7 @@
             </a:pPr>
             <a:r>
               <a:rPr lang="sl-SI" sz="1600" dirty="0"/>
-              <a:t>Osnovna različica z začetnimi funkcionalnostmi.</a:t>
+              <a:t>Dodajanje novih osnovnih funkcionalnosti, združevanje strani v celoto.</a:t>
             </a:r>
           </a:p>
           <a:p>
